--- a/실시간 Wikipedia Twit검색 통한 스토리텔링.pptx
+++ b/실시간 Wikipedia Twit검색 통한 스토리텔링.pptx
@@ -5,10 +5,10 @@
     <p:sldMasterId id="2147483648" r:id="rId1"/>
   </p:sldMasterIdLst>
   <p:notesMasterIdLst>
-    <p:notesMasterId r:id="rId11"/>
+    <p:notesMasterId r:id="rId12"/>
   </p:notesMasterIdLst>
   <p:handoutMasterIdLst>
-    <p:handoutMasterId r:id="rId12"/>
+    <p:handoutMasterId r:id="rId13"/>
   </p:handoutMasterIdLst>
   <p:sldIdLst>
     <p:sldId id="274" r:id="rId2"/>
@@ -20,6 +20,7 @@
     <p:sldId id="297" r:id="rId8"/>
     <p:sldId id="300" r:id="rId9"/>
     <p:sldId id="298" r:id="rId10"/>
+    <p:sldId id="301" r:id="rId11"/>
   </p:sldIdLst>
   <p:sldSz cx="12192000" cy="6858000"/>
   <p:notesSz cx="6797675" cy="9926638"/>
@@ -211,7 +212,7 @@
           <a:p>
             <a:fld id="{89591EC3-1394-40F3-BF79-7F8705E68C98}" type="datetimeFigureOut">
               <a:rPr lang="ko-KR" altLang="en-US" smtClean="0"/>
-              <a:t>2020-11-17</a:t>
+              <a:t>2020-11-20</a:t>
             </a:fld>
             <a:endParaRPr lang="ko-KR" altLang="en-US" dirty="0"/>
           </a:p>
@@ -376,7 +377,7 @@
           <a:p>
             <a:fld id="{751D661D-A8C0-4FFE-83F7-98BA8E7A8579}" type="datetimeFigureOut">
               <a:rPr lang="ko-KR" altLang="en-US" smtClean="0"/>
-              <a:t>2020-11-17</a:t>
+              <a:t>2020-11-20</a:t>
             </a:fld>
             <a:endParaRPr lang="ko-KR" altLang="en-US" dirty="0"/>
           </a:p>
@@ -845,6 +846,493 @@
 </p:notes>
 </file>
 
+<file path=ppt/notesSlides/notesSlide10.xml><?xml version="1.0" encoding="utf-8"?>
+<p:notes xmlns:a="http://schemas.openxmlformats.org/drawingml/2006/main" xmlns:r="http://schemas.openxmlformats.org/officeDocument/2006/relationships" xmlns:p="http://schemas.openxmlformats.org/presentationml/2006/main">
+  <p:cSld>
+    <p:spTree>
+      <p:nvGrpSpPr>
+        <p:cNvPr id="1" name=""/>
+        <p:cNvGrpSpPr/>
+        <p:nvPr/>
+      </p:nvGrpSpPr>
+      <p:grpSpPr>
+        <a:xfrm>
+          <a:off x="0" y="0"/>
+          <a:ext cx="0" cy="0"/>
+          <a:chOff x="0" y="0"/>
+          <a:chExt cx="0" cy="0"/>
+        </a:xfrm>
+      </p:grpSpPr>
+      <p:sp>
+        <p:nvSpPr>
+          <p:cNvPr id="2" name="슬라이드 이미지 개체 틀 1"/>
+          <p:cNvSpPr>
+            <a:spLocks noGrp="1" noRot="1" noChangeAspect="1"/>
+          </p:cNvSpPr>
+          <p:nvPr>
+            <p:ph type="sldImg"/>
+          </p:nvPr>
+        </p:nvSpPr>
+        <p:spPr/>
+      </p:sp>
+      <p:sp>
+        <p:nvSpPr>
+          <p:cNvPr id="3" name="슬라이드 노트 개체 틀 2"/>
+          <p:cNvSpPr>
+            <a:spLocks noGrp="1"/>
+          </p:cNvSpPr>
+          <p:nvPr>
+            <p:ph type="body" idx="1"/>
+          </p:nvPr>
+        </p:nvSpPr>
+        <p:spPr/>
+        <p:txBody>
+          <a:bodyPr/>
+          <a:lstStyle/>
+          <a:p>
+            <a:endParaRPr lang="en-US" altLang="ko-KR" dirty="0" smtClean="0"/>
+          </a:p>
+          <a:p>
+            <a:r>
+              <a:rPr lang="en-US" altLang="ko-KR" dirty="0" smtClean="0"/>
+              <a:t>AI</a:t>
+            </a:r>
+            <a:r>
+              <a:rPr lang="ko-KR" altLang="en-US" dirty="0" smtClean="0"/>
+              <a:t>연구 하면 </a:t>
+            </a:r>
+            <a:r>
+              <a:rPr lang="en-US" altLang="ko-KR" dirty="0" smtClean="0"/>
+              <a:t>‘</a:t>
+            </a:r>
+            <a:r>
+              <a:rPr lang="ko-KR" altLang="en-US" dirty="0" smtClean="0"/>
+              <a:t>데이터가 있어야 뭘 하지</a:t>
+            </a:r>
+            <a:r>
+              <a:rPr lang="en-US" altLang="ko-KR" dirty="0" smtClean="0"/>
+              <a:t>.’  ‘</a:t>
+            </a:r>
+            <a:r>
+              <a:rPr lang="ko-KR" altLang="en-US" dirty="0" smtClean="0"/>
+              <a:t>돈이 되는 아이템을 내가 만들어야 하는 거 아냐</a:t>
+            </a:r>
+            <a:r>
+              <a:rPr lang="en-US" altLang="ko-KR" dirty="0" smtClean="0"/>
+              <a:t>?’, ‘</a:t>
+            </a:r>
+            <a:r>
+              <a:rPr lang="ko-KR" altLang="en-US" dirty="0" smtClean="0"/>
+              <a:t>투자 아니면 </a:t>
+            </a:r>
+            <a:r>
+              <a:rPr lang="ko-KR" altLang="en-US" dirty="0" err="1" smtClean="0"/>
+              <a:t>회사차려야</a:t>
+            </a:r>
+            <a:r>
+              <a:rPr lang="ko-KR" altLang="en-US" dirty="0" smtClean="0"/>
+              <a:t> </a:t>
+            </a:r>
+            <a:r>
+              <a:rPr lang="ko-KR" altLang="en-US" dirty="0" err="1" smtClean="0"/>
+              <a:t>하는거</a:t>
+            </a:r>
+            <a:r>
+              <a:rPr lang="ko-KR" altLang="en-US" dirty="0" smtClean="0"/>
+              <a:t> 아냐</a:t>
+            </a:r>
+            <a:r>
+              <a:rPr lang="en-US" altLang="ko-KR" dirty="0" smtClean="0"/>
+              <a:t>?’ </a:t>
+            </a:r>
+          </a:p>
+          <a:p>
+            <a:endParaRPr lang="en-US" altLang="ko-KR" dirty="0" smtClean="0"/>
+          </a:p>
+          <a:p>
+            <a:r>
+              <a:rPr lang="ko-KR" altLang="en-US" dirty="0" smtClean="0"/>
+              <a:t>연구과제</a:t>
+            </a:r>
+            <a:endParaRPr lang="en-US" altLang="ko-KR" dirty="0" smtClean="0"/>
+          </a:p>
+          <a:p>
+            <a:r>
+              <a:rPr lang="en-US" altLang="ko-KR" dirty="0" smtClean="0"/>
+              <a:t>    - </a:t>
+            </a:r>
+            <a:r>
+              <a:rPr lang="ko-KR" altLang="en-US" dirty="0" smtClean="0"/>
+              <a:t>아산병원</a:t>
+            </a:r>
+            <a:r>
+              <a:rPr lang="en-US" altLang="ko-KR" dirty="0" smtClean="0"/>
+              <a:t>: Brain Tumor in MRI DSC</a:t>
+            </a:r>
+            <a:r>
+              <a:rPr lang="en-US" altLang="ko-KR" baseline="0" dirty="0" smtClean="0"/>
+              <a:t> Image -&gt; Signal Analysis</a:t>
+            </a:r>
+          </a:p>
+          <a:p>
+            <a:r>
+              <a:rPr lang="en-US" altLang="ko-KR" baseline="0" dirty="0" smtClean="0"/>
+              <a:t>    - ECG classification (</a:t>
+            </a:r>
+            <a:r>
+              <a:rPr lang="en-US" altLang="ko-KR" baseline="0" dirty="0" err="1" smtClean="0"/>
+              <a:t>Arrythmia</a:t>
+            </a:r>
+            <a:r>
+              <a:rPr lang="en-US" altLang="ko-KR" baseline="0" dirty="0" smtClean="0"/>
+              <a:t>: </a:t>
+            </a:r>
+            <a:r>
+              <a:rPr lang="ko-KR" altLang="en-US" baseline="0" dirty="0" smtClean="0"/>
+              <a:t>부정맥</a:t>
+            </a:r>
+            <a:r>
+              <a:rPr lang="en-US" altLang="ko-KR" baseline="0" dirty="0" smtClean="0"/>
+              <a:t>), Vital Signal </a:t>
+            </a:r>
+            <a:r>
+              <a:rPr lang="ko-KR" altLang="en-US" baseline="0" dirty="0" smtClean="0"/>
+              <a:t>연구</a:t>
+            </a:r>
+            <a:endParaRPr lang="en-US" altLang="ko-KR" baseline="0" dirty="0" smtClean="0"/>
+          </a:p>
+          <a:p>
+            <a:r>
+              <a:rPr lang="en-US" altLang="ko-KR" baseline="0" dirty="0" smtClean="0"/>
+              <a:t>    - Chest X-ray </a:t>
+            </a:r>
+            <a:r>
+              <a:rPr lang="ko-KR" altLang="en-US" baseline="0" dirty="0" smtClean="0"/>
+              <a:t>연구 등</a:t>
+            </a:r>
+            <a:endParaRPr lang="en-US" altLang="ko-KR" baseline="0" dirty="0" smtClean="0"/>
+          </a:p>
+          <a:p>
+            <a:r>
+              <a:rPr lang="en-US" altLang="ko-KR" baseline="0" dirty="0" smtClean="0"/>
+              <a:t>    - </a:t>
+            </a:r>
+            <a:r>
+              <a:rPr lang="ko-KR" altLang="en-US" baseline="0" dirty="0" smtClean="0"/>
+              <a:t>각 교수님마다 매년 국가과제든</a:t>
+            </a:r>
+            <a:r>
+              <a:rPr lang="en-US" altLang="ko-KR" baseline="0" dirty="0" smtClean="0"/>
+              <a:t>, </a:t>
+            </a:r>
+            <a:r>
+              <a:rPr lang="ko-KR" altLang="en-US" baseline="0" dirty="0" smtClean="0"/>
+              <a:t>내부과제든 따셔야 하는데</a:t>
+            </a:r>
+            <a:r>
+              <a:rPr lang="en-US" altLang="ko-KR" baseline="0" dirty="0" smtClean="0"/>
+              <a:t>… </a:t>
+            </a:r>
+            <a:r>
+              <a:rPr lang="ko-KR" altLang="en-US" baseline="0" dirty="0" smtClean="0"/>
+              <a:t>따도 그 연구를 실행할 인력이 필요합니다</a:t>
+            </a:r>
+            <a:r>
+              <a:rPr lang="en-US" altLang="ko-KR" baseline="0" dirty="0" smtClean="0"/>
+              <a:t>.</a:t>
+            </a:r>
+          </a:p>
+          <a:p>
+            <a:endParaRPr lang="en-US" altLang="ko-KR" baseline="0" dirty="0" smtClean="0"/>
+          </a:p>
+          <a:p>
+            <a:endParaRPr lang="en-US" altLang="ko-KR" baseline="0" dirty="0" smtClean="0"/>
+          </a:p>
+          <a:p>
+            <a:r>
+              <a:rPr lang="ko-KR" altLang="en-US" baseline="0" dirty="0" smtClean="0"/>
+              <a:t>인력이 필요한 단순업무들</a:t>
+            </a:r>
+            <a:endParaRPr lang="en-US" altLang="ko-KR" baseline="0" dirty="0" smtClean="0"/>
+          </a:p>
+          <a:p>
+            <a:r>
+              <a:rPr lang="en-US" altLang="ko-KR" baseline="0" dirty="0" smtClean="0"/>
+              <a:t>    - </a:t>
+            </a:r>
+            <a:r>
+              <a:rPr lang="ko-KR" altLang="en-US" baseline="0" dirty="0" smtClean="0"/>
+              <a:t>사고차량 처리 프로세스</a:t>
+            </a:r>
+            <a:endParaRPr lang="en-US" altLang="ko-KR" baseline="0" dirty="0" smtClean="0"/>
+          </a:p>
+          <a:p>
+            <a:r>
+              <a:rPr lang="en-US" altLang="ko-KR" baseline="0" dirty="0" smtClean="0"/>
+              <a:t>    - </a:t>
+            </a:r>
+            <a:r>
+              <a:rPr lang="ko-KR" altLang="en-US" baseline="0" dirty="0" err="1" smtClean="0"/>
+              <a:t>메뉴판</a:t>
+            </a:r>
+            <a:r>
+              <a:rPr lang="ko-KR" altLang="en-US" baseline="0" dirty="0" smtClean="0"/>
+              <a:t> 인식 </a:t>
+            </a:r>
+            <a:r>
+              <a:rPr lang="en-US" altLang="ko-KR" baseline="0" dirty="0" smtClean="0"/>
+              <a:t>(</a:t>
+            </a:r>
+            <a:r>
+              <a:rPr lang="ko-KR" altLang="en-US" baseline="0" dirty="0" err="1" smtClean="0"/>
+              <a:t>배달앱</a:t>
+            </a:r>
+            <a:r>
+              <a:rPr lang="ko-KR" altLang="en-US" baseline="0" dirty="0" smtClean="0"/>
+              <a:t> </a:t>
+            </a:r>
+            <a:r>
+              <a:rPr lang="en-US" altLang="ko-KR" baseline="0" dirty="0" smtClean="0"/>
+              <a:t>DB</a:t>
+            </a:r>
+            <a:r>
+              <a:rPr lang="ko-KR" altLang="en-US" baseline="0" dirty="0" smtClean="0"/>
+              <a:t>구축</a:t>
+            </a:r>
+            <a:r>
+              <a:rPr lang="en-US" altLang="ko-KR" baseline="0" dirty="0" smtClean="0"/>
+              <a:t>)</a:t>
+            </a:r>
+          </a:p>
+          <a:p>
+            <a:endParaRPr lang="en-US" altLang="ko-KR" baseline="0" dirty="0" smtClean="0"/>
+          </a:p>
+          <a:p>
+            <a:endParaRPr lang="en-US" altLang="ko-KR" baseline="0" dirty="0" smtClean="0"/>
+          </a:p>
+          <a:p>
+            <a:r>
+              <a:rPr lang="ko-KR" altLang="en-US" baseline="0" dirty="0" err="1" smtClean="0"/>
+              <a:t>스타트업</a:t>
+            </a:r>
+            <a:r>
+              <a:rPr lang="ko-KR" altLang="en-US" baseline="0" dirty="0" smtClean="0"/>
+              <a:t> 아이템</a:t>
+            </a:r>
+            <a:endParaRPr lang="en-US" altLang="ko-KR" baseline="0" dirty="0" smtClean="0"/>
+          </a:p>
+          <a:p>
+            <a:r>
+              <a:rPr lang="en-US" altLang="ko-KR" baseline="0" dirty="0" smtClean="0"/>
+              <a:t>    - </a:t>
+            </a:r>
+            <a:r>
+              <a:rPr lang="ko-KR" altLang="en-US" baseline="0" dirty="0" smtClean="0"/>
+              <a:t>음악 </a:t>
+            </a:r>
+            <a:r>
+              <a:rPr lang="en-US" altLang="ko-KR" baseline="0" dirty="0" smtClean="0"/>
+              <a:t>Mastering</a:t>
+            </a:r>
+          </a:p>
+          <a:p>
+            <a:r>
+              <a:rPr lang="en-US" altLang="ko-KR" baseline="0" dirty="0" smtClean="0"/>
+              <a:t>    - Beat Extraction</a:t>
+            </a:r>
+          </a:p>
+          <a:p>
+            <a:r>
+              <a:rPr lang="en-US" altLang="ko-KR" baseline="0" dirty="0" smtClean="0"/>
+              <a:t>    - 3D shoes</a:t>
+            </a:r>
+          </a:p>
+          <a:p>
+            <a:endParaRPr lang="en-US" altLang="ko-KR" baseline="0" dirty="0" smtClean="0"/>
+          </a:p>
+          <a:p>
+            <a:endParaRPr lang="en-US" altLang="ko-KR" baseline="0" dirty="0" smtClean="0"/>
+          </a:p>
+          <a:p>
+            <a:r>
+              <a:rPr lang="ko-KR" altLang="en-US" baseline="0" dirty="0" smtClean="0"/>
+              <a:t>다양한 사업자들</a:t>
+            </a:r>
+            <a:r>
+              <a:rPr lang="en-US" altLang="ko-KR" baseline="0" dirty="0" smtClean="0"/>
+              <a:t>, </a:t>
+            </a:r>
+            <a:r>
+              <a:rPr lang="ko-KR" altLang="en-US" baseline="0" dirty="0" smtClean="0"/>
+              <a:t>다양한 생각들</a:t>
+            </a:r>
+            <a:endParaRPr lang="en-US" altLang="ko-KR" baseline="0" dirty="0" smtClean="0"/>
+          </a:p>
+          <a:p>
+            <a:r>
+              <a:rPr lang="en-US" altLang="ko-KR" baseline="0" dirty="0" smtClean="0"/>
+              <a:t>    - AI Blogger</a:t>
+            </a:r>
+          </a:p>
+          <a:p>
+            <a:r>
+              <a:rPr lang="en-US" altLang="ko-KR" baseline="0" dirty="0" smtClean="0"/>
+              <a:t>    - </a:t>
+            </a:r>
+            <a:r>
+              <a:rPr lang="ko-KR" altLang="en-US" baseline="0" dirty="0" smtClean="0"/>
+              <a:t>쇼핑몰 광고</a:t>
+            </a:r>
+            <a:r>
+              <a:rPr lang="en-US" altLang="ko-KR" baseline="0" dirty="0" smtClean="0"/>
+              <a:t>: Captcha </a:t>
+            </a:r>
+            <a:r>
+              <a:rPr lang="ko-KR" altLang="en-US" baseline="0" dirty="0" smtClean="0"/>
+              <a:t>읽기 </a:t>
+            </a:r>
+            <a:r>
+              <a:rPr lang="en-US" altLang="ko-KR" baseline="0" dirty="0" smtClean="0"/>
+              <a:t>+ Macro</a:t>
+            </a:r>
+          </a:p>
+          <a:p>
+            <a:r>
+              <a:rPr lang="en-US" altLang="ko-KR" baseline="0" dirty="0" smtClean="0"/>
+              <a:t>    - Review</a:t>
+            </a:r>
+            <a:r>
+              <a:rPr lang="ko-KR" altLang="en-US" baseline="0" dirty="0" smtClean="0"/>
+              <a:t>감정분석</a:t>
+            </a:r>
+            <a:r>
+              <a:rPr lang="en-US" altLang="ko-KR" baseline="0" dirty="0" smtClean="0"/>
+              <a:t>, </a:t>
+            </a:r>
+          </a:p>
+          <a:p>
+            <a:r>
+              <a:rPr lang="en-US" altLang="ko-KR" baseline="0" dirty="0" smtClean="0"/>
+              <a:t>    - </a:t>
+            </a:r>
+            <a:r>
+              <a:rPr lang="ko-KR" altLang="en-US" baseline="0" dirty="0" smtClean="0"/>
+              <a:t>동대문 의류재료상</a:t>
+            </a:r>
+            <a:endParaRPr lang="en-US" altLang="ko-KR" baseline="0" dirty="0" smtClean="0"/>
+          </a:p>
+          <a:p>
+            <a:r>
+              <a:rPr lang="en-US" altLang="ko-KR" baseline="0" dirty="0" smtClean="0"/>
+              <a:t>    - </a:t>
+            </a:r>
+            <a:r>
+              <a:rPr lang="ko-KR" altLang="en-US" baseline="0" dirty="0" smtClean="0"/>
+              <a:t>변호사 사무실</a:t>
+            </a:r>
+            <a:endParaRPr lang="en-US" altLang="ko-KR" baseline="0" dirty="0" smtClean="0"/>
+          </a:p>
+          <a:p>
+            <a:endParaRPr lang="en-US" altLang="ko-KR" baseline="0" dirty="0" smtClean="0"/>
+          </a:p>
+          <a:p>
+            <a:endParaRPr lang="en-US" altLang="ko-KR" baseline="0" dirty="0" smtClean="0"/>
+          </a:p>
+          <a:p>
+            <a:r>
+              <a:rPr lang="ko-KR" altLang="en-US" baseline="0" dirty="0" smtClean="0"/>
+              <a:t>예술로 </a:t>
+            </a:r>
+            <a:r>
+              <a:rPr lang="en-US" altLang="ko-KR" baseline="0" dirty="0" smtClean="0"/>
+              <a:t>AI</a:t>
+            </a:r>
+            <a:r>
+              <a:rPr lang="ko-KR" altLang="en-US" baseline="0" dirty="0" smtClean="0"/>
+              <a:t>가 필수</a:t>
+            </a:r>
+            <a:r>
+              <a:rPr lang="en-US" altLang="ko-KR" baseline="0" dirty="0" smtClean="0"/>
+              <a:t>?</a:t>
+            </a:r>
+            <a:endParaRPr lang="en-US" altLang="ko-KR" dirty="0" smtClean="0"/>
+          </a:p>
+          <a:p>
+            <a:r>
+              <a:rPr lang="en-US" altLang="ko-KR" dirty="0" smtClean="0"/>
+              <a:t>    - </a:t>
+            </a:r>
+            <a:r>
+              <a:rPr lang="ko-KR" altLang="en-US" dirty="0" smtClean="0"/>
+              <a:t>예술분야 과제에 </a:t>
+            </a:r>
+            <a:r>
+              <a:rPr lang="en-US" altLang="ko-KR" dirty="0" smtClean="0"/>
+              <a:t>AI</a:t>
+            </a:r>
+            <a:r>
+              <a:rPr lang="ko-KR" altLang="en-US" dirty="0" smtClean="0"/>
+              <a:t>전문가</a:t>
+            </a:r>
+            <a:r>
+              <a:rPr lang="ko-KR" altLang="en-US" baseline="0" dirty="0" smtClean="0"/>
+              <a:t> </a:t>
+            </a:r>
+            <a:r>
+              <a:rPr lang="en-US" altLang="ko-KR" baseline="0" dirty="0" smtClean="0"/>
+              <a:t>1</a:t>
+            </a:r>
+            <a:r>
+              <a:rPr lang="ko-KR" altLang="en-US" baseline="0" dirty="0" err="1" smtClean="0"/>
+              <a:t>명이상</a:t>
+            </a:r>
+            <a:r>
+              <a:rPr lang="ko-KR" altLang="en-US" baseline="0" dirty="0" smtClean="0"/>
+              <a:t> 참여가 필수</a:t>
+            </a:r>
+            <a:endParaRPr lang="en-US" altLang="ko-KR" baseline="0" dirty="0" smtClean="0"/>
+          </a:p>
+          <a:p>
+            <a:endParaRPr lang="ko-KR" altLang="en-US" dirty="0"/>
+          </a:p>
+        </p:txBody>
+      </p:sp>
+      <p:sp>
+        <p:nvSpPr>
+          <p:cNvPr id="4" name="슬라이드 번호 개체 틀 3"/>
+          <p:cNvSpPr>
+            <a:spLocks noGrp="1"/>
+          </p:cNvSpPr>
+          <p:nvPr>
+            <p:ph type="sldNum" sz="quarter" idx="10"/>
+          </p:nvPr>
+        </p:nvSpPr>
+        <p:spPr/>
+        <p:txBody>
+          <a:bodyPr/>
+          <a:lstStyle/>
+          <a:p>
+            <a:fld id="{B96F2D95-B4DD-44A7-88DD-79B38E16DC10}" type="slidenum">
+              <a:rPr lang="ko-KR" altLang="en-US" smtClean="0"/>
+              <a:t>10</a:t>
+            </a:fld>
+            <a:endParaRPr lang="ko-KR" altLang="en-US" dirty="0"/>
+          </a:p>
+        </p:txBody>
+      </p:sp>
+    </p:spTree>
+    <p:extLst>
+      <p:ext uri="{BB962C8B-B14F-4D97-AF65-F5344CB8AC3E}">
+        <p14:creationId xmlns:p14="http://schemas.microsoft.com/office/powerpoint/2010/main" val="4189897993"/>
+      </p:ext>
+    </p:extLst>
+  </p:cSld>
+  <p:clrMapOvr>
+    <a:masterClrMapping/>
+  </p:clrMapOvr>
+</p:notes>
+</file>
+
 <file path=ppt/notesSlides/notesSlide2.xml><?xml version="1.0" encoding="utf-8"?>
 <p:notes xmlns:a="http://schemas.openxmlformats.org/drawingml/2006/main" xmlns:r="http://schemas.openxmlformats.org/officeDocument/2006/relationships" xmlns:p="http://schemas.openxmlformats.org/presentationml/2006/main">
   <p:cSld>
@@ -4872,7 +5360,7 @@
           <a:p>
             <a:fld id="{E4C935BF-AB8F-4B36-9153-B3B9CB6E4F07}" type="datetimeFigureOut">
               <a:rPr lang="ko-KR" altLang="en-US" smtClean="0"/>
-              <a:t>2020-11-17</a:t>
+              <a:t>2020-11-20</a:t>
             </a:fld>
             <a:endParaRPr lang="ko-KR" altLang="en-US" dirty="0"/>
           </a:p>
@@ -5042,7 +5530,7 @@
           <a:p>
             <a:fld id="{E4C935BF-AB8F-4B36-9153-B3B9CB6E4F07}" type="datetimeFigureOut">
               <a:rPr lang="ko-KR" altLang="en-US" smtClean="0"/>
-              <a:t>2020-11-17</a:t>
+              <a:t>2020-11-20</a:t>
             </a:fld>
             <a:endParaRPr lang="ko-KR" altLang="en-US" dirty="0"/>
           </a:p>
@@ -5229,7 +5717,7 @@
           <a:p>
             <a:fld id="{E4C935BF-AB8F-4B36-9153-B3B9CB6E4F07}" type="datetimeFigureOut">
               <a:rPr lang="ko-KR" altLang="en-US" smtClean="0"/>
-              <a:t>2020-11-17</a:t>
+              <a:t>2020-11-20</a:t>
             </a:fld>
             <a:endParaRPr lang="ko-KR" altLang="en-US" dirty="0"/>
           </a:p>
@@ -5443,7 +5931,7 @@
           <a:p>
             <a:fld id="{E4C935BF-AB8F-4B36-9153-B3B9CB6E4F07}" type="datetimeFigureOut">
               <a:rPr lang="ko-KR" altLang="en-US" smtClean="0"/>
-              <a:t>2020-11-17</a:t>
+              <a:t>2020-11-20</a:t>
             </a:fld>
             <a:endParaRPr lang="ko-KR" altLang="en-US" dirty="0"/>
           </a:p>
@@ -5689,7 +6177,7 @@
           <a:p>
             <a:fld id="{E4C935BF-AB8F-4B36-9153-B3B9CB6E4F07}" type="datetimeFigureOut">
               <a:rPr lang="ko-KR" altLang="en-US" smtClean="0"/>
-              <a:t>2020-11-17</a:t>
+              <a:t>2020-11-20</a:t>
             </a:fld>
             <a:endParaRPr lang="ko-KR" altLang="en-US" dirty="0"/>
           </a:p>
@@ -5921,7 +6409,7 @@
           <a:p>
             <a:fld id="{E4C935BF-AB8F-4B36-9153-B3B9CB6E4F07}" type="datetimeFigureOut">
               <a:rPr lang="ko-KR" altLang="en-US" smtClean="0"/>
-              <a:t>2020-11-17</a:t>
+              <a:t>2020-11-20</a:t>
             </a:fld>
             <a:endParaRPr lang="ko-KR" altLang="en-US" dirty="0"/>
           </a:p>
@@ -6288,7 +6776,7 @@
           <a:p>
             <a:fld id="{E4C935BF-AB8F-4B36-9153-B3B9CB6E4F07}" type="datetimeFigureOut">
               <a:rPr lang="ko-KR" altLang="en-US" smtClean="0"/>
-              <a:t>2020-11-17</a:t>
+              <a:t>2020-11-20</a:t>
             </a:fld>
             <a:endParaRPr lang="ko-KR" altLang="en-US" dirty="0"/>
           </a:p>
@@ -6406,7 +6894,7 @@
           <a:p>
             <a:fld id="{E4C935BF-AB8F-4B36-9153-B3B9CB6E4F07}" type="datetimeFigureOut">
               <a:rPr lang="ko-KR" altLang="en-US" smtClean="0"/>
-              <a:t>2020-11-17</a:t>
+              <a:t>2020-11-20</a:t>
             </a:fld>
             <a:endParaRPr lang="ko-KR" altLang="en-US" dirty="0"/>
           </a:p>
@@ -6501,7 +6989,7 @@
           <a:p>
             <a:fld id="{E4C935BF-AB8F-4B36-9153-B3B9CB6E4F07}" type="datetimeFigureOut">
               <a:rPr lang="ko-KR" altLang="en-US" smtClean="0"/>
-              <a:t>2020-11-17</a:t>
+              <a:t>2020-11-20</a:t>
             </a:fld>
             <a:endParaRPr lang="ko-KR" altLang="en-US" dirty="0"/>
           </a:p>
@@ -6778,7 +7266,7 @@
           <a:p>
             <a:fld id="{E4C935BF-AB8F-4B36-9153-B3B9CB6E4F07}" type="datetimeFigureOut">
               <a:rPr lang="ko-KR" altLang="en-US" smtClean="0"/>
-              <a:t>2020-11-17</a:t>
+              <a:t>2020-11-20</a:t>
             </a:fld>
             <a:endParaRPr lang="ko-KR" altLang="en-US" dirty="0"/>
           </a:p>
@@ -7031,7 +7519,7 @@
           <a:p>
             <a:fld id="{E4C935BF-AB8F-4B36-9153-B3B9CB6E4F07}" type="datetimeFigureOut">
               <a:rPr lang="ko-KR" altLang="en-US" smtClean="0"/>
-              <a:t>2020-11-17</a:t>
+              <a:t>2020-11-20</a:t>
             </a:fld>
             <a:endParaRPr lang="ko-KR" altLang="en-US" dirty="0"/>
           </a:p>
@@ -7244,7 +7732,7 @@
           <a:p>
             <a:fld id="{E4C935BF-AB8F-4B36-9153-B3B9CB6E4F07}" type="datetimeFigureOut">
               <a:rPr lang="ko-KR" altLang="en-US" smtClean="0"/>
-              <a:t>2020-11-17</a:t>
+              <a:t>2020-11-20</a:t>
             </a:fld>
             <a:endParaRPr lang="ko-KR" altLang="en-US" dirty="0"/>
           </a:p>
@@ -7655,7 +8143,7 @@
           <p:cNvPr id="4" name="부제목 2">
             <a:extLst>
               <a:ext uri="{FF2B5EF4-FFF2-40B4-BE49-F238E27FC236}">
-                <a16:creationId xmlns:a16="http://schemas.microsoft.com/office/drawing/2014/main" xmlns="" id="{9FDD37FB-40EE-487B-B722-864565EB4538}"/>
+                <a16:creationId xmlns="" xmlns:a16="http://schemas.microsoft.com/office/drawing/2014/main" id="{9FDD37FB-40EE-487B-B722-864565EB4538}"/>
               </a:ext>
             </a:extLst>
           </p:cNvPr>
@@ -7855,7 +8343,7 @@
           <p:cNvPr id="5" name="부제목 2">
             <a:extLst>
               <a:ext uri="{FF2B5EF4-FFF2-40B4-BE49-F238E27FC236}">
-                <a16:creationId xmlns:a16="http://schemas.microsoft.com/office/drawing/2014/main" xmlns="" id="{23CC92B7-A3BD-4225-A5C6-5077A14F3614}"/>
+                <a16:creationId xmlns="" xmlns:a16="http://schemas.microsoft.com/office/drawing/2014/main" id="{23CC92B7-A3BD-4225-A5C6-5077A14F3614}"/>
               </a:ext>
             </a:extLst>
           </p:cNvPr>
@@ -8150,6 +8638,302 @@
     <p:extLst>
       <p:ext uri="{BB962C8B-B14F-4D97-AF65-F5344CB8AC3E}">
         <p14:creationId xmlns:p14="http://schemas.microsoft.com/office/powerpoint/2010/main" val="2852720394"/>
+      </p:ext>
+    </p:extLst>
+  </p:cSld>
+  <p:clrMapOvr>
+    <a:masterClrMapping/>
+  </p:clrMapOvr>
+  <p:timing>
+    <p:tnLst>
+      <p:par>
+        <p:cTn id="1" dur="indefinite" restart="never" nodeType="tmRoot"/>
+      </p:par>
+    </p:tnLst>
+  </p:timing>
+</p:sld>
+</file>
+
+<file path=ppt/slides/slide10.xml><?xml version="1.0" encoding="utf-8"?>
+<p:sld xmlns:a="http://schemas.openxmlformats.org/drawingml/2006/main" xmlns:r="http://schemas.openxmlformats.org/officeDocument/2006/relationships" xmlns:p="http://schemas.openxmlformats.org/presentationml/2006/main">
+  <p:cSld>
+    <p:spTree>
+      <p:nvGrpSpPr>
+        <p:cNvPr id="1" name=""/>
+        <p:cNvGrpSpPr/>
+        <p:nvPr/>
+      </p:nvGrpSpPr>
+      <p:grpSpPr>
+        <a:xfrm>
+          <a:off x="0" y="0"/>
+          <a:ext cx="0" cy="0"/>
+          <a:chOff x="0" y="0"/>
+          <a:chExt cx="0" cy="0"/>
+        </a:xfrm>
+      </p:grpSpPr>
+      <p:sp>
+        <p:nvSpPr>
+          <p:cNvPr id="10" name="TextBox 9">
+            <a:extLst>
+              <a:ext uri="{FF2B5EF4-FFF2-40B4-BE49-F238E27FC236}">
+                <a16:creationId xmlns="" xmlns:a16="http://schemas.microsoft.com/office/drawing/2014/main" id="{00C9ADAB-2823-4A16-A341-B0F588187EA7}"/>
+              </a:ext>
+            </a:extLst>
+          </p:cNvPr>
+          <p:cNvSpPr txBox="1"/>
+          <p:nvPr/>
+        </p:nvSpPr>
+        <p:spPr>
+          <a:xfrm>
+            <a:off x="0" y="240632"/>
+            <a:ext cx="12192000" cy="553998"/>
+          </a:xfrm>
+          <a:prstGeom prst="rect">
+            <a:avLst/>
+          </a:prstGeom>
+          <a:noFill/>
+        </p:spPr>
+        <p:txBody>
+          <a:bodyPr wrap="square" rtlCol="0">
+            <a:spAutoFit/>
+          </a:bodyPr>
+          <a:lstStyle/>
+          <a:p>
+            <a:r>
+              <a:rPr lang="en-US" altLang="ko-KR" sz="3000" spc="-67" dirty="0" smtClean="0">
+                <a:solidFill>
+                  <a:srgbClr val="0070C0"/>
+                </a:solidFill>
+                <a:latin typeface="+mn-ea"/>
+              </a:rPr>
+              <a:t>Prerequisites</a:t>
+            </a:r>
+            <a:endParaRPr lang="ko-KR" altLang="en-US" sz="3000" spc="-67" dirty="0">
+              <a:solidFill>
+                <a:srgbClr val="0070C0"/>
+              </a:solidFill>
+              <a:latin typeface="+mn-ea"/>
+            </a:endParaRPr>
+          </a:p>
+        </p:txBody>
+      </p:sp>
+      <p:sp>
+        <p:nvSpPr>
+          <p:cNvPr id="16" name="직사각형 15"/>
+          <p:cNvSpPr/>
+          <p:nvPr/>
+        </p:nvSpPr>
+        <p:spPr>
+          <a:xfrm>
+            <a:off x="2260600" y="1872068"/>
+            <a:ext cx="8686800" cy="2585632"/>
+          </a:xfrm>
+          <a:prstGeom prst="rect">
+            <a:avLst/>
+          </a:prstGeom>
+          <a:solidFill>
+            <a:schemeClr val="bg1"/>
+          </a:solidFill>
+          <a:ln>
+            <a:noFill/>
+          </a:ln>
+          <a:effectLst/>
+        </p:spPr>
+        <p:style>
+          <a:lnRef idx="2">
+            <a:schemeClr val="accent1">
+              <a:shade val="50000"/>
+            </a:schemeClr>
+          </a:lnRef>
+          <a:fillRef idx="1">
+            <a:schemeClr val="accent1"/>
+          </a:fillRef>
+          <a:effectRef idx="0">
+            <a:schemeClr val="accent1"/>
+          </a:effectRef>
+          <a:fontRef idx="minor">
+            <a:schemeClr val="lt1"/>
+          </a:fontRef>
+        </p:style>
+        <p:txBody>
+          <a:bodyPr rtlCol="0" anchor="t" anchorCtr="0"/>
+          <a:lstStyle/>
+          <a:p>
+            <a:pPr marL="285750" indent="-192088">
+              <a:lnSpc>
+                <a:spcPct val="150000"/>
+              </a:lnSpc>
+              <a:buFont typeface="Arial" panose="020B0604020202020204" pitchFamily="34" charset="0"/>
+              <a:buChar char="•"/>
+            </a:pPr>
+            <a:r>
+              <a:rPr lang="en-US" altLang="ko-KR" sz="2000" dirty="0" smtClean="0">
+                <a:solidFill>
+                  <a:schemeClr val="tx1"/>
+                </a:solidFill>
+              </a:rPr>
+              <a:t>spacy</a:t>
+            </a:r>
+          </a:p>
+          <a:p>
+            <a:pPr marL="285750" indent="-192088">
+              <a:lnSpc>
+                <a:spcPct val="150000"/>
+              </a:lnSpc>
+              <a:buFont typeface="Arial" panose="020B0604020202020204" pitchFamily="34" charset="0"/>
+              <a:buChar char="•"/>
+            </a:pPr>
+            <a:r>
+              <a:rPr lang="en-US" altLang="ko-KR" sz="2000" dirty="0" err="1" smtClean="0">
+                <a:solidFill>
+                  <a:schemeClr val="tx1"/>
+                </a:solidFill>
+              </a:rPr>
+              <a:t>wikipedia</a:t>
+            </a:r>
+            <a:r>
+              <a:rPr lang="en-US" altLang="ko-KR" sz="2000" dirty="0" smtClean="0">
+                <a:solidFill>
+                  <a:schemeClr val="tx1"/>
+                </a:solidFill>
+              </a:rPr>
+              <a:t>, twitter  (python package</a:t>
+            </a:r>
+            <a:r>
+              <a:rPr lang="ko-KR" altLang="en-US" sz="2000" dirty="0" smtClean="0">
+                <a:solidFill>
+                  <a:schemeClr val="tx1"/>
+                </a:solidFill>
+              </a:rPr>
+              <a:t>명</a:t>
+            </a:r>
+            <a:r>
+              <a:rPr lang="en-US" altLang="ko-KR" sz="2000" dirty="0" smtClean="0">
+                <a:solidFill>
+                  <a:schemeClr val="tx1"/>
+                </a:solidFill>
+              </a:rPr>
+              <a:t>)</a:t>
+            </a:r>
+          </a:p>
+          <a:p>
+            <a:pPr marL="285750" indent="-192088">
+              <a:lnSpc>
+                <a:spcPct val="150000"/>
+              </a:lnSpc>
+              <a:buFont typeface="Arial" panose="020B0604020202020204" pitchFamily="34" charset="0"/>
+              <a:buChar char="•"/>
+            </a:pPr>
+            <a:r>
+              <a:rPr lang="en-US" altLang="ko-KR" sz="2000" dirty="0" err="1" smtClean="0">
+                <a:solidFill>
+                  <a:schemeClr val="tx1"/>
+                </a:solidFill>
+              </a:rPr>
+              <a:t>urllib</a:t>
+            </a:r>
+            <a:endParaRPr lang="en-US" altLang="ko-KR" sz="2000" dirty="0" smtClean="0">
+              <a:solidFill>
+                <a:schemeClr val="tx1"/>
+              </a:solidFill>
+            </a:endParaRPr>
+          </a:p>
+          <a:p>
+            <a:pPr marL="285750" indent="-192088">
+              <a:lnSpc>
+                <a:spcPct val="150000"/>
+              </a:lnSpc>
+              <a:buFont typeface="Arial" panose="020B0604020202020204" pitchFamily="34" charset="0"/>
+              <a:buChar char="•"/>
+            </a:pPr>
+            <a:endParaRPr lang="en-US" altLang="ko-KR" sz="2000" dirty="0">
+              <a:solidFill>
+                <a:schemeClr val="tx1"/>
+              </a:solidFill>
+            </a:endParaRPr>
+          </a:p>
+          <a:p>
+            <a:pPr marL="93662">
+              <a:lnSpc>
+                <a:spcPct val="150000"/>
+              </a:lnSpc>
+            </a:pPr>
+            <a:r>
+              <a:rPr lang="en-US" altLang="ko-KR" sz="2000" dirty="0" smtClean="0">
+                <a:solidFill>
+                  <a:srgbClr val="FF0000"/>
+                </a:solidFill>
+              </a:rPr>
+              <a:t>※ twitter </a:t>
+            </a:r>
+            <a:r>
+              <a:rPr lang="en-US" altLang="ko-KR" sz="2000" dirty="0" err="1" smtClean="0">
+                <a:solidFill>
+                  <a:srgbClr val="FF0000"/>
+                </a:solidFill>
+              </a:rPr>
+              <a:t>api</a:t>
+            </a:r>
+            <a:r>
+              <a:rPr lang="en-US" altLang="ko-KR" sz="2000" dirty="0" smtClean="0">
+                <a:solidFill>
+                  <a:srgbClr val="FF0000"/>
+                </a:solidFill>
+              </a:rPr>
+              <a:t> </a:t>
+            </a:r>
+            <a:r>
+              <a:rPr lang="en-US" altLang="ko-KR" sz="2000" dirty="0" err="1" smtClean="0">
+                <a:solidFill>
+                  <a:srgbClr val="FF0000"/>
+                </a:solidFill>
+              </a:rPr>
+              <a:t>access_token</a:t>
+            </a:r>
+            <a:r>
+              <a:rPr lang="en-US" altLang="ko-KR" sz="2000" dirty="0" smtClean="0">
+                <a:solidFill>
+                  <a:srgbClr val="FF0000"/>
+                </a:solidFill>
+              </a:rPr>
+              <a:t>, </a:t>
+            </a:r>
+            <a:r>
+              <a:rPr lang="en-US" altLang="ko-KR" sz="2000" dirty="0" err="1" smtClean="0">
+                <a:solidFill>
+                  <a:srgbClr val="FF0000"/>
+                </a:solidFill>
+              </a:rPr>
+              <a:t>secret_key</a:t>
+            </a:r>
+            <a:r>
+              <a:rPr lang="en-US" altLang="ko-KR" sz="2000" dirty="0" smtClean="0">
+                <a:solidFill>
+                  <a:srgbClr val="FF0000"/>
+                </a:solidFill>
+              </a:rPr>
+              <a:t> </a:t>
+            </a:r>
+            <a:r>
+              <a:rPr lang="ko-KR" altLang="en-US" sz="2000" dirty="0" smtClean="0">
+                <a:solidFill>
+                  <a:srgbClr val="FF0000"/>
+                </a:solidFill>
+              </a:rPr>
+              <a:t>등은 개인키 발급 필요</a:t>
+            </a:r>
+            <a:endParaRPr lang="en-US" altLang="ko-KR" sz="2000" dirty="0" smtClean="0">
+              <a:solidFill>
+                <a:srgbClr val="FF0000"/>
+              </a:solidFill>
+            </a:endParaRPr>
+          </a:p>
+        </p:txBody>
+      </p:sp>
+    </p:spTree>
+    <p:extLst>
+      <p:ext uri="{BB962C8B-B14F-4D97-AF65-F5344CB8AC3E}">
+        <p14:creationId xmlns:p14="http://schemas.microsoft.com/office/powerpoint/2010/main" val="3667937857"/>
       </p:ext>
     </p:extLst>
   </p:cSld>
@@ -8188,7 +8972,7 @@
           <p:cNvPr id="10" name="TextBox 9">
             <a:extLst>
               <a:ext uri="{FF2B5EF4-FFF2-40B4-BE49-F238E27FC236}">
-                <a16:creationId xmlns:a16="http://schemas.microsoft.com/office/drawing/2014/main" xmlns="" id="{00C9ADAB-2823-4A16-A341-B0F588187EA7}"/>
+                <a16:creationId xmlns="" xmlns:a16="http://schemas.microsoft.com/office/drawing/2014/main" id="{00C9ADAB-2823-4A16-A341-B0F588187EA7}"/>
               </a:ext>
             </a:extLst>
           </p:cNvPr>
@@ -8354,11 +9138,6 @@
               </a:rPr>
               <a:t>)</a:t>
             </a:r>
-            <a:endParaRPr lang="en-US" altLang="ko-KR" sz="2000" dirty="0" smtClean="0">
-              <a:solidFill>
-                <a:schemeClr val="tx1"/>
-              </a:solidFill>
-            </a:endParaRPr>
           </a:p>
           <a:p>
             <a:pPr marL="285750" indent="-192088">
@@ -8382,15 +9161,7 @@
                   <a:schemeClr val="tx1"/>
                 </a:solidFill>
               </a:rPr>
-              <a:t>: AI-based </a:t>
-            </a:r>
-            <a:r>
-              <a:rPr lang="en-US" altLang="ko-KR" sz="2000" dirty="0" smtClean="0">
-                <a:solidFill>
-                  <a:schemeClr val="tx1"/>
-                </a:solidFill>
-              </a:rPr>
-              <a:t>English NLP package</a:t>
+              <a:t>: AI-based English NLP package</a:t>
             </a:r>
           </a:p>
           <a:p>
@@ -8476,7 +9247,7 @@
           <p:cNvPr id="10" name="TextBox 9">
             <a:extLst>
               <a:ext uri="{FF2B5EF4-FFF2-40B4-BE49-F238E27FC236}">
-                <a16:creationId xmlns:a16="http://schemas.microsoft.com/office/drawing/2014/main" xmlns="" id="{00C9ADAB-2823-4A16-A341-B0F588187EA7}"/>
+                <a16:creationId xmlns="" xmlns:a16="http://schemas.microsoft.com/office/drawing/2014/main" id="{00C9ADAB-2823-4A16-A341-B0F588187EA7}"/>
               </a:ext>
             </a:extLst>
           </p:cNvPr>
@@ -8680,12 +9451,6 @@
               </a:rPr>
               <a:t>?</a:t>
             </a:r>
-            <a:endParaRPr lang="en-US" altLang="ko-KR" dirty="0" smtClean="0">
-              <a:solidFill>
-                <a:schemeClr val="tx1"/>
-              </a:solidFill>
-              <a:latin typeface="+mn-ea"/>
-            </a:endParaRPr>
           </a:p>
           <a:p>
             <a:pPr marL="285750" indent="-192088">
@@ -8716,17 +9481,7 @@
                 <a:latin typeface="+mn-ea"/>
                 <a:sym typeface="Wingdings" panose="05000000000000000000" pitchFamily="2" charset="2"/>
               </a:rPr>
-              <a:t> </a:t>
-            </a:r>
-            <a:r>
-              <a:rPr lang="en-US" altLang="ko-KR" dirty="0" smtClean="0">
-                <a:solidFill>
-                  <a:srgbClr val="0070C0"/>
-                </a:solidFill>
-                <a:latin typeface="+mn-ea"/>
-                <a:sym typeface="Wingdings" panose="05000000000000000000" pitchFamily="2" charset="2"/>
-              </a:rPr>
-              <a:t>Wikipedia</a:t>
+              <a:t> Wikipedia</a:t>
             </a:r>
             <a:r>
               <a:rPr lang="ko-KR" altLang="en-US" dirty="0" smtClean="0">
@@ -9011,7 +9766,7 @@
           <p:cNvPr id="10" name="TextBox 9">
             <a:extLst>
               <a:ext uri="{FF2B5EF4-FFF2-40B4-BE49-F238E27FC236}">
-                <a16:creationId xmlns:a16="http://schemas.microsoft.com/office/drawing/2014/main" xmlns="" id="{00C9ADAB-2823-4A16-A341-B0F588187EA7}"/>
+                <a16:creationId xmlns="" xmlns:a16="http://schemas.microsoft.com/office/drawing/2014/main" id="{00C9ADAB-2823-4A16-A341-B0F588187EA7}"/>
               </a:ext>
             </a:extLst>
           </p:cNvPr>
@@ -9607,7 +10362,7 @@
           <p:cNvPr id="10" name="TextBox 9">
             <a:extLst>
               <a:ext uri="{FF2B5EF4-FFF2-40B4-BE49-F238E27FC236}">
-                <a16:creationId xmlns:a16="http://schemas.microsoft.com/office/drawing/2014/main" xmlns="" id="{00C9ADAB-2823-4A16-A341-B0F588187EA7}"/>
+                <a16:creationId xmlns="" xmlns:a16="http://schemas.microsoft.com/office/drawing/2014/main" id="{00C9ADAB-2823-4A16-A341-B0F588187EA7}"/>
               </a:ext>
             </a:extLst>
           </p:cNvPr>
@@ -9792,25 +10547,7 @@
                 </a:solidFill>
                 <a:sym typeface="Wingdings" panose="05000000000000000000" pitchFamily="2" charset="2"/>
               </a:rPr>
-              <a:t>으로 조회하여 사용할 수 있도록 다</a:t>
-            </a:r>
-            <a:r>
-              <a:rPr lang="ko-KR" altLang="en-US" sz="1600" dirty="0" smtClean="0">
-                <a:solidFill>
-                  <a:schemeClr val="tx1"/>
-                </a:solidFill>
-                <a:sym typeface="Wingdings" panose="05000000000000000000" pitchFamily="2" charset="2"/>
-              </a:rPr>
-              <a:t>양한</a:t>
-            </a:r>
-            <a:r>
-              <a:rPr lang="ko-KR" altLang="en-US" sz="1600" dirty="0" smtClean="0">
-                <a:solidFill>
-                  <a:schemeClr val="tx1"/>
-                </a:solidFill>
-                <a:sym typeface="Wingdings" panose="05000000000000000000" pitchFamily="2" charset="2"/>
-              </a:rPr>
-              <a:t> </a:t>
+              <a:t>으로 조회하여 사용할 수 있도록 다양한 </a:t>
             </a:r>
             <a:r>
               <a:rPr lang="en-US" altLang="ko-KR" sz="1600" dirty="0" err="1" smtClean="0">
@@ -10220,7 +10957,7 @@
           <p:cNvPr id="10" name="TextBox 9">
             <a:extLst>
               <a:ext uri="{FF2B5EF4-FFF2-40B4-BE49-F238E27FC236}">
-                <a16:creationId xmlns:a16="http://schemas.microsoft.com/office/drawing/2014/main" xmlns="" id="{00C9ADAB-2823-4A16-A341-B0F588187EA7}"/>
+                <a16:creationId xmlns="" xmlns:a16="http://schemas.microsoft.com/office/drawing/2014/main" id="{00C9ADAB-2823-4A16-A341-B0F588187EA7}"/>
               </a:ext>
             </a:extLst>
           </p:cNvPr>
@@ -10380,15 +11117,7 @@
                   <a:schemeClr val="tx1"/>
                 </a:solidFill>
               </a:rPr>
-              <a:t>- </a:t>
-            </a:r>
-            <a:r>
-              <a:rPr lang="en-US" altLang="ko-KR" sz="1600" dirty="0" smtClean="0">
-                <a:solidFill>
-                  <a:schemeClr val="tx1"/>
-                </a:solidFill>
-              </a:rPr>
-              <a:t>word tokenizing, (Named) entity recognition, word-vectors</a:t>
+              <a:t>- word tokenizing, (Named) entity recognition, word-vectors</a:t>
             </a:r>
             <a:br>
               <a:rPr lang="en-US" altLang="ko-KR" sz="1600" dirty="0" smtClean="0">
@@ -10419,7 +11148,15 @@
                   <a:schemeClr val="tx1"/>
                 </a:solidFill>
               </a:rPr>
-              <a:t>, </a:t>
+              <a:t>, Easy deep learning model </a:t>
+            </a:r>
+            <a:r>
+              <a:rPr lang="ko-KR" altLang="en-US" sz="1600" dirty="0" smtClean="0">
+                <a:solidFill>
+                  <a:schemeClr val="tx1"/>
+                </a:solidFill>
+              </a:rPr>
+              <a:t>및 </a:t>
             </a:r>
             <a:r>
               <a:rPr lang="en-US" altLang="ko-KR" sz="1600" dirty="0" smtClean="0">
@@ -10427,31 +11164,7 @@
                   <a:schemeClr val="tx1"/>
                 </a:solidFill>
               </a:rPr>
-              <a:t>Easy deep learning model </a:t>
-            </a:r>
-            <a:r>
-              <a:rPr lang="ko-KR" altLang="en-US" sz="1600" dirty="0" smtClean="0">
-                <a:solidFill>
-                  <a:schemeClr val="tx1"/>
-                </a:solidFill>
-              </a:rPr>
-              <a:t>및 </a:t>
-            </a:r>
-            <a:r>
-              <a:rPr lang="en-US" altLang="ko-KR" sz="1600" dirty="0" smtClean="0">
-                <a:solidFill>
-                  <a:schemeClr val="tx1"/>
-                </a:solidFill>
-              </a:rPr>
               <a:t>pre-trained package</a:t>
-            </a:r>
-            <a:r>
-              <a:rPr lang="en-US" altLang="ko-KR" sz="1600" dirty="0" smtClean="0">
-                <a:solidFill>
-                  <a:schemeClr val="tx1"/>
-                </a:solidFill>
-              </a:rPr>
-              <a:t/>
             </a:r>
             <a:br>
               <a:rPr lang="en-US" altLang="ko-KR" sz="1600" dirty="0" smtClean="0">
@@ -10679,7 +11392,7 @@
           <p:cNvPr id="10" name="TextBox 9">
             <a:extLst>
               <a:ext uri="{FF2B5EF4-FFF2-40B4-BE49-F238E27FC236}">
-                <a16:creationId xmlns:a16="http://schemas.microsoft.com/office/drawing/2014/main" xmlns="" id="{00C9ADAB-2823-4A16-A341-B0F588187EA7}"/>
+                <a16:creationId xmlns="" xmlns:a16="http://schemas.microsoft.com/office/drawing/2014/main" id="{00C9ADAB-2823-4A16-A341-B0F588187EA7}"/>
               </a:ext>
             </a:extLst>
           </p:cNvPr>
@@ -10869,11 +11582,6 @@
               </a:rPr>
               <a:t>.</a:t>
             </a:r>
-            <a:endParaRPr lang="en-US" altLang="ko-KR" dirty="0" smtClean="0">
-              <a:solidFill>
-                <a:schemeClr val="tx1"/>
-              </a:solidFill>
-            </a:endParaRPr>
           </a:p>
         </p:txBody>
       </p:sp>
@@ -11395,7 +12103,7 @@
           <p:cNvPr id="10" name="TextBox 9">
             <a:extLst>
               <a:ext uri="{FF2B5EF4-FFF2-40B4-BE49-F238E27FC236}">
-                <a16:creationId xmlns:a16="http://schemas.microsoft.com/office/drawing/2014/main" xmlns="" id="{00C9ADAB-2823-4A16-A341-B0F588187EA7}"/>
+                <a16:creationId xmlns="" xmlns:a16="http://schemas.microsoft.com/office/drawing/2014/main" id="{00C9ADAB-2823-4A16-A341-B0F588187EA7}"/>
               </a:ext>
             </a:extLst>
           </p:cNvPr>
@@ -11693,7 +12401,7 @@
           <p:cNvPr id="10" name="TextBox 9">
             <a:extLst>
               <a:ext uri="{FF2B5EF4-FFF2-40B4-BE49-F238E27FC236}">
-                <a16:creationId xmlns:a16="http://schemas.microsoft.com/office/drawing/2014/main" xmlns="" id="{00C9ADAB-2823-4A16-A341-B0F588187EA7}"/>
+                <a16:creationId xmlns="" xmlns:a16="http://schemas.microsoft.com/office/drawing/2014/main" id="{00C9ADAB-2823-4A16-A341-B0F588187EA7}"/>
               </a:ext>
             </a:extLst>
           </p:cNvPr>
@@ -11717,13 +12425,13 @@
           <a:lstStyle/>
           <a:p>
             <a:r>
-              <a:rPr lang="en-US" altLang="ko-KR" sz="3000" spc="-67" dirty="0" smtClean="0">
+              <a:rPr lang="ko-KR" altLang="en-US" sz="3000" spc="-67" dirty="0" smtClean="0">
                 <a:solidFill>
                   <a:srgbClr val="0070C0"/>
                 </a:solidFill>
                 <a:latin typeface="+mn-ea"/>
               </a:rPr>
-              <a:t>Prerequisites</a:t>
+              <a:t>실행순서</a:t>
             </a:r>
             <a:endParaRPr lang="ko-KR" altLang="en-US" sz="3000" spc="-67" dirty="0">
               <a:solidFill>
@@ -11776,21 +12484,102 @@
           <a:bodyPr rtlCol="0" anchor="t" anchorCtr="0"/>
           <a:lstStyle/>
           <a:p>
-            <a:pPr marL="285750" indent="-192088">
+            <a:pPr marL="550862" indent="-457200">
               <a:lnSpc>
                 <a:spcPct val="150000"/>
               </a:lnSpc>
-              <a:buFont typeface="Arial" panose="020B0604020202020204" pitchFamily="34" charset="0"/>
-              <a:buChar char="•"/>
+              <a:buFont typeface="+mj-lt"/>
+              <a:buAutoNum type="arabicPeriod"/>
             </a:pPr>
             <a:r>
+              <a:rPr lang="en-US" altLang="ko-KR" sz="2000" dirty="0" err="1" smtClean="0">
+                <a:solidFill>
+                  <a:schemeClr val="tx1"/>
+                </a:solidFill>
+              </a:rPr>
+              <a:t>config.json</a:t>
+            </a:r>
+            <a:r>
               <a:rPr lang="en-US" altLang="ko-KR" sz="2000" dirty="0" smtClean="0">
                 <a:solidFill>
                   <a:schemeClr val="tx1"/>
                 </a:solidFill>
               </a:rPr>
-              <a:t>spacy</a:t>
-            </a:r>
+              <a:t> </a:t>
+            </a:r>
+            <a:r>
+              <a:rPr lang="ko-KR" altLang="en-US" sz="2000" dirty="0" smtClean="0">
+                <a:solidFill>
+                  <a:schemeClr val="tx1"/>
+                </a:solidFill>
+              </a:rPr>
+              <a:t>파일에서 </a:t>
+            </a:r>
+            <a:r>
+              <a:rPr lang="en-US" altLang="ko-KR" sz="2000" dirty="0" smtClean="0">
+                <a:solidFill>
+                  <a:schemeClr val="tx1"/>
+                </a:solidFill>
+              </a:rPr>
+              <a:t>“</a:t>
+            </a:r>
+            <a:r>
+              <a:rPr lang="en-US" altLang="ko-KR" sz="2000" dirty="0" err="1" smtClean="0">
+                <a:solidFill>
+                  <a:schemeClr val="tx1"/>
+                </a:solidFill>
+              </a:rPr>
+              <a:t>start_keyword</a:t>
+            </a:r>
+            <a:r>
+              <a:rPr lang="en-US" altLang="ko-KR" sz="2000" dirty="0" smtClean="0">
+                <a:solidFill>
+                  <a:schemeClr val="tx1"/>
+                </a:solidFill>
+              </a:rPr>
+              <a:t>” </a:t>
+            </a:r>
+            <a:r>
+              <a:rPr lang="ko-KR" altLang="en-US" sz="2000" dirty="0" smtClean="0">
+                <a:solidFill>
+                  <a:schemeClr val="tx1"/>
+                </a:solidFill>
+              </a:rPr>
+              <a:t>설정  </a:t>
+            </a:r>
+            <a:r>
+              <a:rPr lang="en-US" altLang="ko-KR" sz="2000" dirty="0" smtClean="0">
+                <a:solidFill>
+                  <a:schemeClr val="tx1"/>
+                </a:solidFill>
+              </a:rPr>
+              <a:t>(notepad</a:t>
+            </a:r>
+            <a:r>
+              <a:rPr lang="ko-KR" altLang="en-US" sz="2000" dirty="0" smtClean="0">
+                <a:solidFill>
+                  <a:schemeClr val="tx1"/>
+                </a:solidFill>
+              </a:rPr>
+              <a:t>도 편집 가능</a:t>
+            </a:r>
+            <a:r>
+              <a:rPr lang="en-US" altLang="ko-KR" sz="2000" dirty="0" smtClean="0">
+                <a:solidFill>
+                  <a:schemeClr val="tx1"/>
+                </a:solidFill>
+              </a:rPr>
+              <a:t>)</a:t>
+            </a:r>
+          </a:p>
+          <a:p>
+            <a:pPr marL="550862" indent="-457200">
+              <a:lnSpc>
+                <a:spcPct val="150000"/>
+              </a:lnSpc>
+              <a:buFont typeface="+mj-lt"/>
+              <a:buAutoNum type="arabicPeriod"/>
+            </a:pPr>
             <a:endParaRPr lang="en-US" altLang="ko-KR" sz="2000" dirty="0" smtClean="0">
               <a:solidFill>
                 <a:schemeClr val="tx1"/>
@@ -11798,20 +12587,28 @@
             </a:endParaRPr>
           </a:p>
           <a:p>
-            <a:pPr marL="285750" indent="-192088">
+            <a:pPr marL="550862" indent="-457200">
               <a:lnSpc>
                 <a:spcPct val="150000"/>
               </a:lnSpc>
-              <a:buFont typeface="Arial" panose="020B0604020202020204" pitchFamily="34" charset="0"/>
-              <a:buChar char="•"/>
+              <a:buFont typeface="+mj-lt"/>
+              <a:buAutoNum type="arabicPeriod"/>
             </a:pPr>
             <a:r>
-              <a:rPr lang="en-US" altLang="ko-KR" sz="2000" dirty="0" err="1" smtClean="0">
+              <a:rPr lang="en-US" altLang="ko-KR" sz="2000" dirty="0" smtClean="0">
                 <a:solidFill>
                   <a:schemeClr val="tx1"/>
                 </a:solidFill>
               </a:rPr>
-              <a:t>wikipedia</a:t>
+              <a:t>talker </a:t>
+            </a:r>
+            <a:r>
+              <a:rPr lang="ko-KR" altLang="en-US" sz="2000" dirty="0" smtClean="0">
+                <a:solidFill>
+                  <a:schemeClr val="tx1"/>
+                </a:solidFill>
+              </a:rPr>
+              <a:t>실행</a:t>
             </a:r>
             <a:r>
               <a:rPr lang="en-US" altLang="ko-KR" sz="2000" dirty="0" smtClean="0">
@@ -11819,139 +12616,11 @@
                   <a:schemeClr val="tx1"/>
                 </a:solidFill>
               </a:rPr>
-              <a:t>, twitter  (python package</a:t>
-            </a:r>
-            <a:r>
-              <a:rPr lang="ko-KR" altLang="en-US" sz="2000" dirty="0" smtClean="0">
-                <a:solidFill>
-                  <a:schemeClr val="tx1"/>
-                </a:solidFill>
-              </a:rPr>
-              <a:t>명</a:t>
-            </a:r>
-            <a:r>
-              <a:rPr lang="en-US" altLang="ko-KR" sz="2000" dirty="0" smtClean="0">
-                <a:solidFill>
-                  <a:schemeClr val="tx1"/>
-                </a:solidFill>
-              </a:rPr>
-              <a:t>)</a:t>
+              <a:t>: python main_talker.py </a:t>
             </a:r>
             <a:endParaRPr lang="en-US" altLang="ko-KR" sz="2000" dirty="0" smtClean="0">
               <a:solidFill>
                 <a:schemeClr val="tx1"/>
-              </a:solidFill>
-            </a:endParaRPr>
-          </a:p>
-          <a:p>
-            <a:pPr marL="285750" indent="-192088">
-              <a:lnSpc>
-                <a:spcPct val="150000"/>
-              </a:lnSpc>
-              <a:buFont typeface="Arial" panose="020B0604020202020204" pitchFamily="34" charset="0"/>
-              <a:buChar char="•"/>
-            </a:pPr>
-            <a:r>
-              <a:rPr lang="en-US" altLang="ko-KR" sz="2000" dirty="0" err="1" smtClean="0">
-                <a:solidFill>
-                  <a:schemeClr val="tx1"/>
-                </a:solidFill>
-              </a:rPr>
-              <a:t>urllib</a:t>
-            </a:r>
-            <a:endParaRPr lang="en-US" altLang="ko-KR" sz="2000" dirty="0" smtClean="0">
-              <a:solidFill>
-                <a:schemeClr val="tx1"/>
-              </a:solidFill>
-            </a:endParaRPr>
-          </a:p>
-          <a:p>
-            <a:pPr marL="285750" indent="-192088">
-              <a:lnSpc>
-                <a:spcPct val="150000"/>
-              </a:lnSpc>
-              <a:buFont typeface="Arial" panose="020B0604020202020204" pitchFamily="34" charset="0"/>
-              <a:buChar char="•"/>
-            </a:pPr>
-            <a:endParaRPr lang="en-US" altLang="ko-KR" sz="2000" dirty="0">
-              <a:solidFill>
-                <a:schemeClr val="tx1"/>
-              </a:solidFill>
-            </a:endParaRPr>
-          </a:p>
-          <a:p>
-            <a:pPr marL="93662">
-              <a:lnSpc>
-                <a:spcPct val="150000"/>
-              </a:lnSpc>
-            </a:pPr>
-            <a:r>
-              <a:rPr lang="en-US" altLang="ko-KR" sz="2000" dirty="0" smtClean="0">
-                <a:solidFill>
-                  <a:srgbClr val="FF0000"/>
-                </a:solidFill>
-              </a:rPr>
-              <a:t>※ twitter </a:t>
-            </a:r>
-            <a:r>
-              <a:rPr lang="en-US" altLang="ko-KR" sz="2000" dirty="0" err="1" smtClean="0">
-                <a:solidFill>
-                  <a:srgbClr val="FF0000"/>
-                </a:solidFill>
-              </a:rPr>
-              <a:t>api</a:t>
-            </a:r>
-            <a:r>
-              <a:rPr lang="en-US" altLang="ko-KR" sz="2000" dirty="0" smtClean="0">
-                <a:solidFill>
-                  <a:srgbClr val="FF0000"/>
-                </a:solidFill>
-              </a:rPr>
-              <a:t> </a:t>
-            </a:r>
-            <a:r>
-              <a:rPr lang="en-US" altLang="ko-KR" sz="2000" dirty="0" err="1" smtClean="0">
-                <a:solidFill>
-                  <a:srgbClr val="FF0000"/>
-                </a:solidFill>
-              </a:rPr>
-              <a:t>access_token</a:t>
-            </a:r>
-            <a:r>
-              <a:rPr lang="en-US" altLang="ko-KR" sz="2000" dirty="0" smtClean="0">
-                <a:solidFill>
-                  <a:srgbClr val="FF0000"/>
-                </a:solidFill>
-              </a:rPr>
-              <a:t>, </a:t>
-            </a:r>
-            <a:r>
-              <a:rPr lang="en-US" altLang="ko-KR" sz="2000" dirty="0" err="1" smtClean="0">
-                <a:solidFill>
-                  <a:srgbClr val="FF0000"/>
-                </a:solidFill>
-              </a:rPr>
-              <a:t>secret_key</a:t>
-            </a:r>
-            <a:r>
-              <a:rPr lang="en-US" altLang="ko-KR" sz="2000" dirty="0" smtClean="0">
-                <a:solidFill>
-                  <a:srgbClr val="FF0000"/>
-                </a:solidFill>
-              </a:rPr>
-              <a:t> </a:t>
-            </a:r>
-            <a:r>
-              <a:rPr lang="ko-KR" altLang="en-US" sz="2000" dirty="0" smtClean="0">
-                <a:solidFill>
-                  <a:srgbClr val="FF0000"/>
-                </a:solidFill>
-              </a:rPr>
-              <a:t>등은 개인키 발급 필요</a:t>
-            </a:r>
-            <a:endParaRPr lang="en-US" altLang="ko-KR" sz="2000" dirty="0" smtClean="0">
-              <a:solidFill>
-                <a:srgbClr val="FF0000"/>
               </a:solidFill>
             </a:endParaRPr>
           </a:p>
